--- a/Seaside Canvas.pptx
+++ b/Seaside Canvas.pptx
@@ -115,7 +115,7 @@
 <file path=ppt/revisionInfo.xml><?xml version="1.0" encoding="utf-8"?>
 <p1510:revInfo xmlns:a="http://schemas.openxmlformats.org/drawingml/2006/main" xmlns:r="http://schemas.openxmlformats.org/officeDocument/2006/relationships" xmlns:p1510="http://schemas.microsoft.com/office/powerpoint/2015/10/main">
   <p1510:revLst>
-    <p1510:client id="{C906F1B6-E307-4BE5-BDC4-74D534ED18BB}" v="26" dt="2025-03-23T12:01:59.975"/>
+    <p1510:client id="{C906F1B6-E307-4BE5-BDC4-74D534ED18BB}" v="46" dt="2025-03-23T12:19:45.860"/>
   </p1510:revLst>
 </p1510:revInfo>
 </file>
@@ -125,12 +125,12 @@
   <pc:docChgLst>
     <pc:chgData name="Gwizdek, Marcin" userId="b5cdd603-ee13-451a-a66f-f38407a19f3f" providerId="ADAL" clId="{C906F1B6-E307-4BE5-BDC4-74D534ED18BB}"/>
     <pc:docChg chg="undo redo custSel modSld">
-      <pc:chgData name="Gwizdek, Marcin" userId="b5cdd603-ee13-451a-a66f-f38407a19f3f" providerId="ADAL" clId="{C906F1B6-E307-4BE5-BDC4-74D534ED18BB}" dt="2025-03-23T12:01:59.975" v="866"/>
+      <pc:chgData name="Gwizdek, Marcin" userId="b5cdd603-ee13-451a-a66f-f38407a19f3f" providerId="ADAL" clId="{C906F1B6-E307-4BE5-BDC4-74D534ED18BB}" dt="2025-03-23T12:22:03.110" v="1045" actId="207"/>
       <pc:docMkLst>
         <pc:docMk/>
       </pc:docMkLst>
       <pc:sldChg chg="addSp delSp modSp mod">
-        <pc:chgData name="Gwizdek, Marcin" userId="b5cdd603-ee13-451a-a66f-f38407a19f3f" providerId="ADAL" clId="{C906F1B6-E307-4BE5-BDC4-74D534ED18BB}" dt="2025-03-23T12:01:59.975" v="866"/>
+        <pc:chgData name="Gwizdek, Marcin" userId="b5cdd603-ee13-451a-a66f-f38407a19f3f" providerId="ADAL" clId="{C906F1B6-E307-4BE5-BDC4-74D534ED18BB}" dt="2025-03-23T12:22:03.110" v="1045" actId="207"/>
         <pc:sldMkLst>
           <pc:docMk/>
           <pc:sldMk cId="3096282046" sldId="256"/>
@@ -141,6 +141,30 @@
             <pc:docMk/>
             <pc:sldMk cId="3096282046" sldId="256"/>
             <ac:spMk id="2" creationId="{4BAA0284-AA72-0303-07A0-AE588F97D511}"/>
+          </ac:spMkLst>
+        </pc:spChg>
+        <pc:spChg chg="add del">
+          <ac:chgData name="Gwizdek, Marcin" userId="b5cdd603-ee13-451a-a66f-f38407a19f3f" providerId="ADAL" clId="{C906F1B6-E307-4BE5-BDC4-74D534ED18BB}" dt="2025-03-23T12:11:37.272" v="914" actId="478"/>
+          <ac:spMkLst>
+            <pc:docMk/>
+            <pc:sldMk cId="3096282046" sldId="256"/>
+            <ac:spMk id="2" creationId="{5FFC1C8E-93BB-7EE3-1D5E-F1231F0ABE71}"/>
+          </ac:spMkLst>
+        </pc:spChg>
+        <pc:spChg chg="add del mod">
+          <ac:chgData name="Gwizdek, Marcin" userId="b5cdd603-ee13-451a-a66f-f38407a19f3f" providerId="ADAL" clId="{C906F1B6-E307-4BE5-BDC4-74D534ED18BB}" dt="2025-03-23T12:12:41.668" v="942"/>
+          <ac:spMkLst>
+            <pc:docMk/>
+            <pc:sldMk cId="3096282046" sldId="256"/>
+            <ac:spMk id="3" creationId="{0B33B544-3E8D-BFA0-3B99-6DBC5505BD9F}"/>
+          </ac:spMkLst>
+        </pc:spChg>
+        <pc:spChg chg="add del mod">
+          <ac:chgData name="Gwizdek, Marcin" userId="b5cdd603-ee13-451a-a66f-f38407a19f3f" providerId="ADAL" clId="{C906F1B6-E307-4BE5-BDC4-74D534ED18BB}" dt="2025-03-23T12:12:15.955" v="937" actId="478"/>
+          <ac:spMkLst>
+            <pc:docMk/>
+            <pc:sldMk cId="3096282046" sldId="256"/>
+            <ac:spMk id="4" creationId="{2C7E7E50-3962-207D-86A8-6E8DD4A01B14}"/>
           </ac:spMkLst>
         </pc:spChg>
         <pc:spChg chg="add del mod">
@@ -263,6 +287,14 @@
             <ac:spMk id="19" creationId="{0C5FC58F-8E8C-813E-72A4-AC4F7C9BED36}"/>
           </ac:spMkLst>
         </pc:spChg>
+        <pc:spChg chg="mod">
+          <ac:chgData name="Gwizdek, Marcin" userId="b5cdd603-ee13-451a-a66f-f38407a19f3f" providerId="ADAL" clId="{C906F1B6-E307-4BE5-BDC4-74D534ED18BB}" dt="2025-03-23T12:09:16.433" v="882"/>
+          <ac:spMkLst>
+            <pc:docMk/>
+            <pc:sldMk cId="3096282046" sldId="256"/>
+            <ac:spMk id="20" creationId="{69E609E8-14B2-331A-0223-3913360313E0}"/>
+          </ac:spMkLst>
+        </pc:spChg>
         <pc:spChg chg="add del mod">
           <ac:chgData name="Gwizdek, Marcin" userId="b5cdd603-ee13-451a-a66f-f38407a19f3f" providerId="ADAL" clId="{C906F1B6-E307-4BE5-BDC4-74D534ED18BB}" dt="2025-03-23T11:42:22.678" v="696" actId="478"/>
           <ac:spMkLst>
@@ -295,12 +327,28 @@
             <ac:spMk id="23" creationId="{F832203E-F021-F8AE-1AEC-2DF979DE4B1F}"/>
           </ac:spMkLst>
         </pc:spChg>
+        <pc:spChg chg="mod">
+          <ac:chgData name="Gwizdek, Marcin" userId="b5cdd603-ee13-451a-a66f-f38407a19f3f" providerId="ADAL" clId="{C906F1B6-E307-4BE5-BDC4-74D534ED18BB}" dt="2025-03-23T12:09:43.967" v="884"/>
+          <ac:spMkLst>
+            <pc:docMk/>
+            <pc:sldMk cId="3096282046" sldId="256"/>
+            <ac:spMk id="24" creationId="{3E33EA0D-2DCA-4052-32B6-61BC519E70A1}"/>
+          </ac:spMkLst>
+        </pc:spChg>
         <pc:spChg chg="add del mod">
           <ac:chgData name="Gwizdek, Marcin" userId="b5cdd603-ee13-451a-a66f-f38407a19f3f" providerId="ADAL" clId="{C906F1B6-E307-4BE5-BDC4-74D534ED18BB}" dt="2025-03-23T12:01:59.975" v="866"/>
           <ac:spMkLst>
             <pc:docMk/>
             <pc:sldMk cId="3096282046" sldId="256"/>
             <ac:spMk id="24" creationId="{5F94BD2F-5A78-A970-E4DF-7EFE9933054A}"/>
+          </ac:spMkLst>
+        </pc:spChg>
+        <pc:spChg chg="add del mod">
+          <ac:chgData name="Gwizdek, Marcin" userId="b5cdd603-ee13-451a-a66f-f38407a19f3f" providerId="ADAL" clId="{C906F1B6-E307-4BE5-BDC4-74D534ED18BB}" dt="2025-03-23T12:11:01.688" v="898" actId="1076"/>
+          <ac:spMkLst>
+            <pc:docMk/>
+            <pc:sldMk cId="3096282046" sldId="256"/>
+            <ac:spMk id="25" creationId="{0B3336AE-DC99-9D60-4EFC-3BDB12FA3EAD}"/>
           </ac:spMkLst>
         </pc:spChg>
         <pc:spChg chg="add del mod">
@@ -319,6 +367,22 @@
             <ac:spMk id="26" creationId="{5FA62464-27E6-2FDB-DDBB-6D6B8BB8A31E}"/>
           </ac:spMkLst>
         </pc:spChg>
+        <pc:spChg chg="mod">
+          <ac:chgData name="Gwizdek, Marcin" userId="b5cdd603-ee13-451a-a66f-f38407a19f3f" providerId="ADAL" clId="{C906F1B6-E307-4BE5-BDC4-74D534ED18BB}" dt="2025-03-23T12:10:29.007" v="893"/>
+          <ac:spMkLst>
+            <pc:docMk/>
+            <pc:sldMk cId="3096282046" sldId="256"/>
+            <ac:spMk id="26" creationId="{C1692F40-5097-9386-560B-F2A72ED69972}"/>
+          </ac:spMkLst>
+        </pc:spChg>
+        <pc:spChg chg="mod">
+          <ac:chgData name="Gwizdek, Marcin" userId="b5cdd603-ee13-451a-a66f-f38407a19f3f" providerId="ADAL" clId="{C906F1B6-E307-4BE5-BDC4-74D534ED18BB}" dt="2025-03-23T12:11:00.941" v="896"/>
+          <ac:spMkLst>
+            <pc:docMk/>
+            <pc:sldMk cId="3096282046" sldId="256"/>
+            <ac:spMk id="27" creationId="{1B62CC73-5091-01D4-B548-32561BDD50B6}"/>
+          </ac:spMkLst>
+        </pc:spChg>
         <pc:spChg chg="add del mod">
           <ac:chgData name="Gwizdek, Marcin" userId="b5cdd603-ee13-451a-a66f-f38407a19f3f" providerId="ADAL" clId="{C906F1B6-E307-4BE5-BDC4-74D534ED18BB}" dt="2025-03-23T11:59:06.302" v="812" actId="478"/>
           <ac:spMkLst>
@@ -327,12 +391,28 @@
             <ac:spMk id="27" creationId="{E320455B-9F26-DCF7-047A-7053E64689A1}"/>
           </ac:spMkLst>
         </pc:spChg>
+        <pc:spChg chg="add del">
+          <ac:chgData name="Gwizdek, Marcin" userId="b5cdd603-ee13-451a-a66f-f38407a19f3f" providerId="ADAL" clId="{C906F1B6-E307-4BE5-BDC4-74D534ED18BB}" dt="2025-03-23T12:11:42.681" v="923" actId="11529"/>
+          <ac:spMkLst>
+            <pc:docMk/>
+            <pc:sldMk cId="3096282046" sldId="256"/>
+            <ac:spMk id="28" creationId="{C929D685-B835-7B9E-2732-3B36B4219BE7}"/>
+          </ac:spMkLst>
+        </pc:spChg>
         <pc:spChg chg="add del mod">
           <ac:chgData name="Gwizdek, Marcin" userId="b5cdd603-ee13-451a-a66f-f38407a19f3f" providerId="ADAL" clId="{C906F1B6-E307-4BE5-BDC4-74D534ED18BB}" dt="2025-03-23T11:59:06.972" v="813" actId="478"/>
           <ac:spMkLst>
             <pc:docMk/>
             <pc:sldMk cId="3096282046" sldId="256"/>
             <ac:spMk id="28" creationId="{D2D16F05-1000-C506-879A-1BF9C172D62E}"/>
+          </ac:spMkLst>
+        </pc:spChg>
+        <pc:spChg chg="add del">
+          <ac:chgData name="Gwizdek, Marcin" userId="b5cdd603-ee13-451a-a66f-f38407a19f3f" providerId="ADAL" clId="{C906F1B6-E307-4BE5-BDC4-74D534ED18BB}" dt="2025-03-23T12:12:12.546" v="933" actId="11529"/>
+          <ac:spMkLst>
+            <pc:docMk/>
+            <pc:sldMk cId="3096282046" sldId="256"/>
+            <ac:spMk id="29" creationId="{34E7DAA1-3E90-80B6-4924-E9750524334E}"/>
           </ac:spMkLst>
         </pc:spChg>
         <pc:spChg chg="add del mod">
@@ -344,11 +424,27 @@
           </ac:spMkLst>
         </pc:spChg>
         <pc:spChg chg="add del mod">
+          <ac:chgData name="Gwizdek, Marcin" userId="b5cdd603-ee13-451a-a66f-f38407a19f3f" providerId="ADAL" clId="{C906F1B6-E307-4BE5-BDC4-74D534ED18BB}" dt="2025-03-23T12:12:41.668" v="942"/>
+          <ac:spMkLst>
+            <pc:docMk/>
+            <pc:sldMk cId="3096282046" sldId="256"/>
+            <ac:spMk id="30" creationId="{0C0F470B-DBC2-F2CD-6930-CD0F800D99BD}"/>
+          </ac:spMkLst>
+        </pc:spChg>
+        <pc:spChg chg="add del mod">
           <ac:chgData name="Gwizdek, Marcin" userId="b5cdd603-ee13-451a-a66f-f38407a19f3f" providerId="ADAL" clId="{C906F1B6-E307-4BE5-BDC4-74D534ED18BB}" dt="2025-03-23T12:01:03.565" v="830" actId="478"/>
           <ac:spMkLst>
             <pc:docMk/>
             <pc:sldMk cId="3096282046" sldId="256"/>
             <ac:spMk id="30" creationId="{17C119CA-C63C-9823-B6F0-E5C6192DD3AC}"/>
+          </ac:spMkLst>
+        </pc:spChg>
+        <pc:spChg chg="mod">
+          <ac:chgData name="Gwizdek, Marcin" userId="b5cdd603-ee13-451a-a66f-f38407a19f3f" providerId="ADAL" clId="{C906F1B6-E307-4BE5-BDC4-74D534ED18BB}" dt="2025-03-23T12:15:07.151" v="952" actId="1076"/>
+          <ac:spMkLst>
+            <pc:docMk/>
+            <pc:sldMk cId="3096282046" sldId="256"/>
+            <ac:spMk id="31" creationId="{31EF4529-64F7-8898-399A-6450E7DC134E}"/>
           </ac:spMkLst>
         </pc:spChg>
         <pc:spChg chg="mod">
@@ -391,8 +487,8 @@
             <ac:spMk id="35" creationId="{130503A9-F30F-8480-F9C3-973861066A3D}"/>
           </ac:spMkLst>
         </pc:spChg>
-        <pc:spChg chg="mod">
-          <ac:chgData name="Gwizdek, Marcin" userId="b5cdd603-ee13-451a-a66f-f38407a19f3f" providerId="ADAL" clId="{C906F1B6-E307-4BE5-BDC4-74D534ED18BB}" dt="2025-03-23T12:01:59.975" v="866"/>
+        <pc:spChg chg="add del mod">
+          <ac:chgData name="Gwizdek, Marcin" userId="b5cdd603-ee13-451a-a66f-f38407a19f3f" providerId="ADAL" clId="{C906F1B6-E307-4BE5-BDC4-74D534ED18BB}" dt="2025-03-23T12:12:41.668" v="942"/>
           <ac:spMkLst>
             <pc:docMk/>
             <pc:sldMk cId="3096282046" sldId="256"/>
@@ -413,6 +509,102 @@
             <pc:docMk/>
             <pc:sldMk cId="3096282046" sldId="256"/>
             <ac:picMk id="7" creationId="{F5C326EE-572D-D32C-3808-B3D4222EE775}"/>
+          </ac:picMkLst>
+        </pc:picChg>
+        <pc:picChg chg="add mod">
+          <ac:chgData name="Gwizdek, Marcin" userId="b5cdd603-ee13-451a-a66f-f38407a19f3f" providerId="ADAL" clId="{C906F1B6-E307-4BE5-BDC4-74D534ED18BB}" dt="2025-03-23T12:16:12.417" v="974" actId="207"/>
+          <ac:picMkLst>
+            <pc:docMk/>
+            <pc:sldMk cId="3096282046" sldId="256"/>
+            <ac:picMk id="33" creationId="{B51187AF-6DE6-E880-1AFF-C9F697E2062A}"/>
+          </ac:picMkLst>
+        </pc:picChg>
+        <pc:picChg chg="add mod">
+          <ac:chgData name="Gwizdek, Marcin" userId="b5cdd603-ee13-451a-a66f-f38407a19f3f" providerId="ADAL" clId="{C906F1B6-E307-4BE5-BDC4-74D534ED18BB}" dt="2025-03-23T12:17:46.267" v="992" actId="207"/>
+          <ac:picMkLst>
+            <pc:docMk/>
+            <pc:sldMk cId="3096282046" sldId="256"/>
+            <ac:picMk id="35" creationId="{F5B4B8A0-4319-68FD-B772-F28BA0B1745F}"/>
+          </ac:picMkLst>
+        </pc:picChg>
+        <pc:picChg chg="add mod">
+          <ac:chgData name="Gwizdek, Marcin" userId="b5cdd603-ee13-451a-a66f-f38407a19f3f" providerId="ADAL" clId="{C906F1B6-E307-4BE5-BDC4-74D534ED18BB}" dt="2025-03-23T12:17:46.267" v="992" actId="207"/>
+          <ac:picMkLst>
+            <pc:docMk/>
+            <pc:sldMk cId="3096282046" sldId="256"/>
+            <ac:picMk id="38" creationId="{1B36833D-EF29-F4CA-5316-8BCA66C361D6}"/>
+          </ac:picMkLst>
+        </pc:picChg>
+        <pc:picChg chg="add mod">
+          <ac:chgData name="Gwizdek, Marcin" userId="b5cdd603-ee13-451a-a66f-f38407a19f3f" providerId="ADAL" clId="{C906F1B6-E307-4BE5-BDC4-74D534ED18BB}" dt="2025-03-23T12:20:40.788" v="1034" actId="207"/>
+          <ac:picMkLst>
+            <pc:docMk/>
+            <pc:sldMk cId="3096282046" sldId="256"/>
+            <ac:picMk id="40" creationId="{B06C2946-5AAA-B9D2-EE84-F2865E66DA27}"/>
+          </ac:picMkLst>
+        </pc:picChg>
+        <pc:picChg chg="add del mod">
+          <ac:chgData name="Gwizdek, Marcin" userId="b5cdd603-ee13-451a-a66f-f38407a19f3f" providerId="ADAL" clId="{C906F1B6-E307-4BE5-BDC4-74D534ED18BB}" dt="2025-03-23T12:17:55.548" v="995" actId="478"/>
+          <ac:picMkLst>
+            <pc:docMk/>
+            <pc:sldMk cId="3096282046" sldId="256"/>
+            <ac:picMk id="42" creationId="{ED57C660-24DA-5816-EF37-50B021757AFB}"/>
+          </ac:picMkLst>
+        </pc:picChg>
+        <pc:picChg chg="add mod">
+          <ac:chgData name="Gwizdek, Marcin" userId="b5cdd603-ee13-451a-a66f-f38407a19f3f" providerId="ADAL" clId="{C906F1B6-E307-4BE5-BDC4-74D534ED18BB}" dt="2025-03-23T12:15:48.643" v="969" actId="207"/>
+          <ac:picMkLst>
+            <pc:docMk/>
+            <pc:sldMk cId="3096282046" sldId="256"/>
+            <ac:picMk id="44" creationId="{79F19F26-1BC7-EDD8-8D8F-33FBD94719B0}"/>
+          </ac:picMkLst>
+        </pc:picChg>
+        <pc:picChg chg="add mod">
+          <ac:chgData name="Gwizdek, Marcin" userId="b5cdd603-ee13-451a-a66f-f38407a19f3f" providerId="ADAL" clId="{C906F1B6-E307-4BE5-BDC4-74D534ED18BB}" dt="2025-03-23T12:22:03.110" v="1045" actId="207"/>
+          <ac:picMkLst>
+            <pc:docMk/>
+            <pc:sldMk cId="3096282046" sldId="256"/>
+            <ac:picMk id="46" creationId="{01625BBE-8321-5FFE-E0D9-AD14BDA1E36C}"/>
+          </ac:picMkLst>
+        </pc:picChg>
+        <pc:picChg chg="add mod">
+          <ac:chgData name="Gwizdek, Marcin" userId="b5cdd603-ee13-451a-a66f-f38407a19f3f" providerId="ADAL" clId="{C906F1B6-E307-4BE5-BDC4-74D534ED18BB}" dt="2025-03-23T12:17:46.267" v="992" actId="207"/>
+          <ac:picMkLst>
+            <pc:docMk/>
+            <pc:sldMk cId="3096282046" sldId="256"/>
+            <ac:picMk id="47" creationId="{68D389A8-F9CC-3C2D-2356-0C72754CA0D9}"/>
+          </ac:picMkLst>
+        </pc:picChg>
+        <pc:picChg chg="add mod">
+          <ac:chgData name="Gwizdek, Marcin" userId="b5cdd603-ee13-451a-a66f-f38407a19f3f" providerId="ADAL" clId="{C906F1B6-E307-4BE5-BDC4-74D534ED18BB}" dt="2025-03-23T12:20:58.235" v="1035" actId="207"/>
+          <ac:picMkLst>
+            <pc:docMk/>
+            <pc:sldMk cId="3096282046" sldId="256"/>
+            <ac:picMk id="49" creationId="{47E39EEA-1332-11F1-DB15-CF65E7E43B2C}"/>
+          </ac:picMkLst>
+        </pc:picChg>
+        <pc:picChg chg="add mod">
+          <ac:chgData name="Gwizdek, Marcin" userId="b5cdd603-ee13-451a-a66f-f38407a19f3f" providerId="ADAL" clId="{C906F1B6-E307-4BE5-BDC4-74D534ED18BB}" dt="2025-03-23T12:21:45.902" v="1044" actId="207"/>
+          <ac:picMkLst>
+            <pc:docMk/>
+            <pc:sldMk cId="3096282046" sldId="256"/>
+            <ac:picMk id="51" creationId="{94DCDC9E-1486-FB6F-87C2-5ECAC5581074}"/>
+          </ac:picMkLst>
+        </pc:picChg>
+        <pc:picChg chg="add mod">
+          <ac:chgData name="Gwizdek, Marcin" userId="b5cdd603-ee13-451a-a66f-f38407a19f3f" providerId="ADAL" clId="{C906F1B6-E307-4BE5-BDC4-74D534ED18BB}" dt="2025-03-23T12:20:21.481" v="1032" actId="207"/>
+          <ac:picMkLst>
+            <pc:docMk/>
+            <pc:sldMk cId="3096282046" sldId="256"/>
+            <ac:picMk id="52" creationId="{A0D9ADD4-9861-4EA8-3827-2DF5E8262676}"/>
+          </ac:picMkLst>
+        </pc:picChg>
+        <pc:picChg chg="add mod">
+          <ac:chgData name="Gwizdek, Marcin" userId="b5cdd603-ee13-451a-a66f-f38407a19f3f" providerId="ADAL" clId="{C906F1B6-E307-4BE5-BDC4-74D534ED18BB}" dt="2025-03-23T12:21:08.513" v="1037" actId="207"/>
+          <ac:picMkLst>
+            <pc:docMk/>
+            <pc:sldMk cId="3096282046" sldId="256"/>
+            <ac:picMk id="53" creationId="{20144675-EB41-591B-1DF1-8EDD18BEC521}"/>
           </ac:picMkLst>
         </pc:picChg>
       </pc:sldChg>
@@ -552,7 +744,7 @@
           <a:p>
             <a:fld id="{27C6D6AE-DB7B-48F5-AD4C-399EA1FEB5EE}" type="datetimeFigureOut">
               <a:rPr lang="en-US" smtClean="0"/>
-              <a:t>3/22/2025</a:t>
+              <a:t>3/23/2025</a:t>
             </a:fld>
             <a:endParaRPr lang="en-US"/>
           </a:p>
@@ -722,7 +914,7 @@
           <a:p>
             <a:fld id="{27C6D6AE-DB7B-48F5-AD4C-399EA1FEB5EE}" type="datetimeFigureOut">
               <a:rPr lang="en-US" smtClean="0"/>
-              <a:t>3/22/2025</a:t>
+              <a:t>3/23/2025</a:t>
             </a:fld>
             <a:endParaRPr lang="en-US"/>
           </a:p>
@@ -902,7 +1094,7 @@
           <a:p>
             <a:fld id="{27C6D6AE-DB7B-48F5-AD4C-399EA1FEB5EE}" type="datetimeFigureOut">
               <a:rPr lang="en-US" smtClean="0"/>
-              <a:t>3/22/2025</a:t>
+              <a:t>3/23/2025</a:t>
             </a:fld>
             <a:endParaRPr lang="en-US"/>
           </a:p>
@@ -1072,7 +1264,7 @@
           <a:p>
             <a:fld id="{27C6D6AE-DB7B-48F5-AD4C-399EA1FEB5EE}" type="datetimeFigureOut">
               <a:rPr lang="en-US" smtClean="0"/>
-              <a:t>3/22/2025</a:t>
+              <a:t>3/23/2025</a:t>
             </a:fld>
             <a:endParaRPr lang="en-US"/>
           </a:p>
@@ -1318,7 +1510,7 @@
           <a:p>
             <a:fld id="{27C6D6AE-DB7B-48F5-AD4C-399EA1FEB5EE}" type="datetimeFigureOut">
               <a:rPr lang="en-US" smtClean="0"/>
-              <a:t>3/22/2025</a:t>
+              <a:t>3/23/2025</a:t>
             </a:fld>
             <a:endParaRPr lang="en-US"/>
           </a:p>
@@ -1550,7 +1742,7 @@
           <a:p>
             <a:fld id="{27C6D6AE-DB7B-48F5-AD4C-399EA1FEB5EE}" type="datetimeFigureOut">
               <a:rPr lang="en-US" smtClean="0"/>
-              <a:t>3/22/2025</a:t>
+              <a:t>3/23/2025</a:t>
             </a:fld>
             <a:endParaRPr lang="en-US"/>
           </a:p>
@@ -1917,7 +2109,7 @@
           <a:p>
             <a:fld id="{27C6D6AE-DB7B-48F5-AD4C-399EA1FEB5EE}" type="datetimeFigureOut">
               <a:rPr lang="en-US" smtClean="0"/>
-              <a:t>3/22/2025</a:t>
+              <a:t>3/23/2025</a:t>
             </a:fld>
             <a:endParaRPr lang="en-US"/>
           </a:p>
@@ -2035,7 +2227,7 @@
           <a:p>
             <a:fld id="{27C6D6AE-DB7B-48F5-AD4C-399EA1FEB5EE}" type="datetimeFigureOut">
               <a:rPr lang="en-US" smtClean="0"/>
-              <a:t>3/22/2025</a:t>
+              <a:t>3/23/2025</a:t>
             </a:fld>
             <a:endParaRPr lang="en-US"/>
           </a:p>
@@ -2130,7 +2322,7 @@
           <a:p>
             <a:fld id="{27C6D6AE-DB7B-48F5-AD4C-399EA1FEB5EE}" type="datetimeFigureOut">
               <a:rPr lang="en-US" smtClean="0"/>
-              <a:t>3/22/2025</a:t>
+              <a:t>3/23/2025</a:t>
             </a:fld>
             <a:endParaRPr lang="en-US"/>
           </a:p>
@@ -2407,7 +2599,7 @@
           <a:p>
             <a:fld id="{27C6D6AE-DB7B-48F5-AD4C-399EA1FEB5EE}" type="datetimeFigureOut">
               <a:rPr lang="en-US" smtClean="0"/>
-              <a:t>3/22/2025</a:t>
+              <a:t>3/23/2025</a:t>
             </a:fld>
             <a:endParaRPr lang="en-US"/>
           </a:p>
@@ -2664,7 +2856,7 @@
           <a:p>
             <a:fld id="{27C6D6AE-DB7B-48F5-AD4C-399EA1FEB5EE}" type="datetimeFigureOut">
               <a:rPr lang="en-US" smtClean="0"/>
-              <a:t>3/22/2025</a:t>
+              <a:t>3/23/2025</a:t>
             </a:fld>
             <a:endParaRPr lang="en-US"/>
           </a:p>
@@ -2877,7 +3069,7 @@
           <a:p>
             <a:fld id="{27C6D6AE-DB7B-48F5-AD4C-399EA1FEB5EE}" type="datetimeFigureOut">
               <a:rPr lang="en-US" smtClean="0"/>
-              <a:t>3/22/2025</a:t>
+              <a:t>3/23/2025</a:t>
             </a:fld>
             <a:endParaRPr lang="en-US"/>
           </a:p>
@@ -3358,10 +3550,10 @@
       </p:grpSpPr>
       <p:sp>
         <p:nvSpPr>
-          <p:cNvPr id="36" name="Freeform: Shape 35">
+          <p:cNvPr id="31" name="Freeform: Shape 30">
             <a:extLst>
               <a:ext uri="{FF2B5EF4-FFF2-40B4-BE49-F238E27FC236}">
-                <a16:creationId xmlns:a16="http://schemas.microsoft.com/office/drawing/2014/main" id="{F3F182FF-ECA6-2CCD-4C60-837E1E9B85CA}"/>
+                <a16:creationId xmlns:a16="http://schemas.microsoft.com/office/drawing/2014/main" id="{31EF4529-64F7-8898-399A-6450E7DC134E}"/>
               </a:ext>
             </a:extLst>
           </p:cNvPr>
@@ -3370,7 +3562,7 @@
         </p:nvSpPr>
         <p:spPr>
           <a:xfrm>
-            <a:off x="282001" y="468102"/>
+            <a:off x="282001" y="468103"/>
             <a:ext cx="11627999" cy="26063999"/>
           </a:xfrm>
           <a:custGeom>
@@ -3383,53 +3575,145 @@
               <a:gd name="connsiteX2" fmla="*/ 11627999 w 11627999"/>
               <a:gd name="connsiteY2" fmla="*/ 434073 h 26063999"/>
               <a:gd name="connsiteX3" fmla="*/ 11627999 w 11627999"/>
-              <a:gd name="connsiteY3" fmla="*/ 25629927 h 26063999"/>
-              <a:gd name="connsiteX4" fmla="*/ 11193926 w 11627999"/>
-              <a:gd name="connsiteY4" fmla="*/ 26063999 h 26063999"/>
-              <a:gd name="connsiteX5" fmla="*/ 434073 w 11627999"/>
-              <a:gd name="connsiteY5" fmla="*/ 26063999 h 26063999"/>
-              <a:gd name="connsiteX6" fmla="*/ 34111 w 11627999"/>
-              <a:gd name="connsiteY6" fmla="*/ 25798887 h 26063999"/>
-              <a:gd name="connsiteX7" fmla="*/ 9245 w 11627999"/>
-              <a:gd name="connsiteY7" fmla="*/ 25718783 h 26063999"/>
-              <a:gd name="connsiteX8" fmla="*/ 3937162 w 11627999"/>
-              <a:gd name="connsiteY8" fmla="*/ 25718783 h 26063999"/>
-              <a:gd name="connsiteX9" fmla="*/ 4279055 w 11627999"/>
-              <a:gd name="connsiteY9" fmla="*/ 25376891 h 26063999"/>
-              <a:gd name="connsiteX10" fmla="*/ 4279055 w 11627999"/>
-              <a:gd name="connsiteY10" fmla="*/ 19868675 h 26063999"/>
-              <a:gd name="connsiteX11" fmla="*/ 3937162 w 11627999"/>
-              <a:gd name="connsiteY11" fmla="*/ 19526783 h 26063999"/>
-              <a:gd name="connsiteX12" fmla="*/ 0 w 11627999"/>
-              <a:gd name="connsiteY12" fmla="*/ 19526783 h 26063999"/>
-              <a:gd name="connsiteX13" fmla="*/ 0 w 11627999"/>
-              <a:gd name="connsiteY13" fmla="*/ 19172531 h 26063999"/>
-              <a:gd name="connsiteX14" fmla="*/ 3949595 w 11627999"/>
-              <a:gd name="connsiteY14" fmla="*/ 19172531 h 26063999"/>
-              <a:gd name="connsiteX15" fmla="*/ 4291486 w 11627999"/>
-              <a:gd name="connsiteY15" fmla="*/ 18830639 h 26063999"/>
-              <a:gd name="connsiteX16" fmla="*/ 4291486 w 11627999"/>
-              <a:gd name="connsiteY16" fmla="*/ 13322424 h 26063999"/>
-              <a:gd name="connsiteX17" fmla="*/ 3949595 w 11627999"/>
-              <a:gd name="connsiteY17" fmla="*/ 12980533 h 26063999"/>
-              <a:gd name="connsiteX18" fmla="*/ 0 w 11627999"/>
-              <a:gd name="connsiteY18" fmla="*/ 12980533 h 26063999"/>
-              <a:gd name="connsiteX19" fmla="*/ 0 w 11627999"/>
-              <a:gd name="connsiteY19" fmla="*/ 12626280 h 26063999"/>
-              <a:gd name="connsiteX20" fmla="*/ 3924731 w 11627999"/>
-              <a:gd name="connsiteY20" fmla="*/ 12626280 h 26063999"/>
-              <a:gd name="connsiteX21" fmla="*/ 4266623 w 11627999"/>
-              <a:gd name="connsiteY21" fmla="*/ 12284388 h 26063999"/>
-              <a:gd name="connsiteX22" fmla="*/ 4266623 w 11627999"/>
-              <a:gd name="connsiteY22" fmla="*/ 6776174 h 26063999"/>
-              <a:gd name="connsiteX23" fmla="*/ 3924731 w 11627999"/>
-              <a:gd name="connsiteY23" fmla="*/ 6434282 h 26063999"/>
-              <a:gd name="connsiteX24" fmla="*/ 0 w 11627999"/>
-              <a:gd name="connsiteY24" fmla="*/ 6434282 h 26063999"/>
-              <a:gd name="connsiteX25" fmla="*/ 0 w 11627999"/>
-              <a:gd name="connsiteY25" fmla="*/ 434073 h 26063999"/>
-              <a:gd name="connsiteX26" fmla="*/ 434073 w 11627999"/>
-              <a:gd name="connsiteY26" fmla="*/ 0 h 26063999"/>
+              <a:gd name="connsiteY3" fmla="*/ 12682345 h 26063999"/>
+              <a:gd name="connsiteX4" fmla="*/ 11437874 w 11627999"/>
+              <a:gd name="connsiteY4" fmla="*/ 12667786 h 26063999"/>
+              <a:gd name="connsiteX5" fmla="*/ 11235354 w 11627999"/>
+              <a:gd name="connsiteY5" fmla="*/ 12647749 h 26063999"/>
+              <a:gd name="connsiteX6" fmla="*/ 10509640 w 11627999"/>
+              <a:gd name="connsiteY6" fmla="*/ 12542089 h 26063999"/>
+              <a:gd name="connsiteX7" fmla="*/ 9421069 w 11627999"/>
+              <a:gd name="connsiteY7" fmla="*/ 12695777 h 26063999"/>
+              <a:gd name="connsiteX8" fmla="*/ 8651811 w 11627999"/>
+              <a:gd name="connsiteY8" fmla="*/ 12494062 h 26063999"/>
+              <a:gd name="connsiteX9" fmla="*/ 7592269 w 11627999"/>
+              <a:gd name="connsiteY9" fmla="*/ 12695777 h 26063999"/>
+              <a:gd name="connsiteX10" fmla="*/ 6532726 w 11627999"/>
+              <a:gd name="connsiteY10" fmla="*/ 12647749 h 26063999"/>
+              <a:gd name="connsiteX11" fmla="*/ 5603811 w 11627999"/>
+              <a:gd name="connsiteY11" fmla="*/ 12839860 h 26063999"/>
+              <a:gd name="connsiteX12" fmla="*/ 4253983 w 11627999"/>
+              <a:gd name="connsiteY12" fmla="*/ 12734199 h 26063999"/>
+              <a:gd name="connsiteX13" fmla="*/ 4428155 w 11627999"/>
+              <a:gd name="connsiteY13" fmla="*/ 12916704 h 26063999"/>
+              <a:gd name="connsiteX14" fmla="*/ 5255470 w 11627999"/>
+              <a:gd name="connsiteY14" fmla="*/ 13031969 h 26063999"/>
+              <a:gd name="connsiteX15" fmla="*/ 5995697 w 11627999"/>
+              <a:gd name="connsiteY15" fmla="*/ 12907098 h 26063999"/>
+              <a:gd name="connsiteX16" fmla="*/ 6561754 w 11627999"/>
+              <a:gd name="connsiteY16" fmla="*/ 12811044 h 26063999"/>
+              <a:gd name="connsiteX17" fmla="*/ 7026211 w 11627999"/>
+              <a:gd name="connsiteY17" fmla="*/ 12820648 h 26063999"/>
+              <a:gd name="connsiteX18" fmla="*/ 7505183 w 11627999"/>
+              <a:gd name="connsiteY18" fmla="*/ 12887887 h 26063999"/>
+              <a:gd name="connsiteX19" fmla="*/ 8143811 w 11627999"/>
+              <a:gd name="connsiteY19" fmla="*/ 12782226 h 26063999"/>
+              <a:gd name="connsiteX20" fmla="*/ 8695354 w 11627999"/>
+              <a:gd name="connsiteY20" fmla="*/ 12686172 h 26063999"/>
+              <a:gd name="connsiteX21" fmla="*/ 9363011 w 11627999"/>
+              <a:gd name="connsiteY21" fmla="*/ 12897493 h 26063999"/>
+              <a:gd name="connsiteX22" fmla="*/ 9929069 w 11627999"/>
+              <a:gd name="connsiteY22" fmla="*/ 12839860 h 26063999"/>
+              <a:gd name="connsiteX23" fmla="*/ 10640269 w 11627999"/>
+              <a:gd name="connsiteY23" fmla="*/ 12839860 h 26063999"/>
+              <a:gd name="connsiteX24" fmla="*/ 11558411 w 11627999"/>
+              <a:gd name="connsiteY24" fmla="*/ 12938918 h 26063999"/>
+              <a:gd name="connsiteX25" fmla="*/ 11627999 w 11627999"/>
+              <a:gd name="connsiteY25" fmla="*/ 12943156 h 26063999"/>
+              <a:gd name="connsiteX26" fmla="*/ 11627999 w 11627999"/>
+              <a:gd name="connsiteY26" fmla="*/ 19198345 h 26063999"/>
+              <a:gd name="connsiteX27" fmla="*/ 11437874 w 11627999"/>
+              <a:gd name="connsiteY27" fmla="*/ 19183785 h 26063999"/>
+              <a:gd name="connsiteX28" fmla="*/ 11235354 w 11627999"/>
+              <a:gd name="connsiteY28" fmla="*/ 19163749 h 26063999"/>
+              <a:gd name="connsiteX29" fmla="*/ 10509640 w 11627999"/>
+              <a:gd name="connsiteY29" fmla="*/ 19058089 h 26063999"/>
+              <a:gd name="connsiteX30" fmla="*/ 9421069 w 11627999"/>
+              <a:gd name="connsiteY30" fmla="*/ 19211777 h 26063999"/>
+              <a:gd name="connsiteX31" fmla="*/ 8651811 w 11627999"/>
+              <a:gd name="connsiteY31" fmla="*/ 19010061 h 26063999"/>
+              <a:gd name="connsiteX32" fmla="*/ 7592269 w 11627999"/>
+              <a:gd name="connsiteY32" fmla="*/ 19211777 h 26063999"/>
+              <a:gd name="connsiteX33" fmla="*/ 6532726 w 11627999"/>
+              <a:gd name="connsiteY33" fmla="*/ 19163749 h 26063999"/>
+              <a:gd name="connsiteX34" fmla="*/ 5603811 w 11627999"/>
+              <a:gd name="connsiteY34" fmla="*/ 19355859 h 26063999"/>
+              <a:gd name="connsiteX35" fmla="*/ 4253983 w 11627999"/>
+              <a:gd name="connsiteY35" fmla="*/ 19250199 h 26063999"/>
+              <a:gd name="connsiteX36" fmla="*/ 4428155 w 11627999"/>
+              <a:gd name="connsiteY36" fmla="*/ 19432703 h 26063999"/>
+              <a:gd name="connsiteX37" fmla="*/ 5255470 w 11627999"/>
+              <a:gd name="connsiteY37" fmla="*/ 19547969 h 26063999"/>
+              <a:gd name="connsiteX38" fmla="*/ 5995697 w 11627999"/>
+              <a:gd name="connsiteY38" fmla="*/ 19423099 h 26063999"/>
+              <a:gd name="connsiteX39" fmla="*/ 6561754 w 11627999"/>
+              <a:gd name="connsiteY39" fmla="*/ 19327043 h 26063999"/>
+              <a:gd name="connsiteX40" fmla="*/ 7026211 w 11627999"/>
+              <a:gd name="connsiteY40" fmla="*/ 19336649 h 26063999"/>
+              <a:gd name="connsiteX41" fmla="*/ 7505183 w 11627999"/>
+              <a:gd name="connsiteY41" fmla="*/ 19403887 h 26063999"/>
+              <a:gd name="connsiteX42" fmla="*/ 8143811 w 11627999"/>
+              <a:gd name="connsiteY42" fmla="*/ 19298227 h 26063999"/>
+              <a:gd name="connsiteX43" fmla="*/ 8695354 w 11627999"/>
+              <a:gd name="connsiteY43" fmla="*/ 19202171 h 26063999"/>
+              <a:gd name="connsiteX44" fmla="*/ 9363011 w 11627999"/>
+              <a:gd name="connsiteY44" fmla="*/ 19413493 h 26063999"/>
+              <a:gd name="connsiteX45" fmla="*/ 9929069 w 11627999"/>
+              <a:gd name="connsiteY45" fmla="*/ 19355859 h 26063999"/>
+              <a:gd name="connsiteX46" fmla="*/ 10640269 w 11627999"/>
+              <a:gd name="connsiteY46" fmla="*/ 19355859 h 26063999"/>
+              <a:gd name="connsiteX47" fmla="*/ 11558411 w 11627999"/>
+              <a:gd name="connsiteY47" fmla="*/ 19454917 h 26063999"/>
+              <a:gd name="connsiteX48" fmla="*/ 11627999 w 11627999"/>
+              <a:gd name="connsiteY48" fmla="*/ 19459157 h 26063999"/>
+              <a:gd name="connsiteX49" fmla="*/ 11627999 w 11627999"/>
+              <a:gd name="connsiteY49" fmla="*/ 25629927 h 26063999"/>
+              <a:gd name="connsiteX50" fmla="*/ 11193926 w 11627999"/>
+              <a:gd name="connsiteY50" fmla="*/ 26063999 h 26063999"/>
+              <a:gd name="connsiteX51" fmla="*/ 434073 w 11627999"/>
+              <a:gd name="connsiteY51" fmla="*/ 26063999 h 26063999"/>
+              <a:gd name="connsiteX52" fmla="*/ 34111 w 11627999"/>
+              <a:gd name="connsiteY52" fmla="*/ 25798887 h 26063999"/>
+              <a:gd name="connsiteX53" fmla="*/ 9245 w 11627999"/>
+              <a:gd name="connsiteY53" fmla="*/ 25718783 h 26063999"/>
+              <a:gd name="connsiteX54" fmla="*/ 3937162 w 11627999"/>
+              <a:gd name="connsiteY54" fmla="*/ 25718783 h 26063999"/>
+              <a:gd name="connsiteX55" fmla="*/ 4279055 w 11627999"/>
+              <a:gd name="connsiteY55" fmla="*/ 25376891 h 26063999"/>
+              <a:gd name="connsiteX56" fmla="*/ 4279055 w 11627999"/>
+              <a:gd name="connsiteY56" fmla="*/ 19868675 h 26063999"/>
+              <a:gd name="connsiteX57" fmla="*/ 3937162 w 11627999"/>
+              <a:gd name="connsiteY57" fmla="*/ 19526783 h 26063999"/>
+              <a:gd name="connsiteX58" fmla="*/ 0 w 11627999"/>
+              <a:gd name="connsiteY58" fmla="*/ 19526783 h 26063999"/>
+              <a:gd name="connsiteX59" fmla="*/ 0 w 11627999"/>
+              <a:gd name="connsiteY59" fmla="*/ 19172531 h 26063999"/>
+              <a:gd name="connsiteX60" fmla="*/ 3949595 w 11627999"/>
+              <a:gd name="connsiteY60" fmla="*/ 19172531 h 26063999"/>
+              <a:gd name="connsiteX61" fmla="*/ 4291487 w 11627999"/>
+              <a:gd name="connsiteY61" fmla="*/ 18830639 h 26063999"/>
+              <a:gd name="connsiteX62" fmla="*/ 4291487 w 11627999"/>
+              <a:gd name="connsiteY62" fmla="*/ 13322423 h 26063999"/>
+              <a:gd name="connsiteX63" fmla="*/ 3949595 w 11627999"/>
+              <a:gd name="connsiteY63" fmla="*/ 12980532 h 26063999"/>
+              <a:gd name="connsiteX64" fmla="*/ 0 w 11627999"/>
+              <a:gd name="connsiteY64" fmla="*/ 12980532 h 26063999"/>
+              <a:gd name="connsiteX65" fmla="*/ 0 w 11627999"/>
+              <a:gd name="connsiteY65" fmla="*/ 12626279 h 26063999"/>
+              <a:gd name="connsiteX66" fmla="*/ 3924731 w 11627999"/>
+              <a:gd name="connsiteY66" fmla="*/ 12626279 h 26063999"/>
+              <a:gd name="connsiteX67" fmla="*/ 4266623 w 11627999"/>
+              <a:gd name="connsiteY67" fmla="*/ 12284387 h 26063999"/>
+              <a:gd name="connsiteX68" fmla="*/ 4266623 w 11627999"/>
+              <a:gd name="connsiteY68" fmla="*/ 6776174 h 26063999"/>
+              <a:gd name="connsiteX69" fmla="*/ 3924731 w 11627999"/>
+              <a:gd name="connsiteY69" fmla="*/ 6434282 h 26063999"/>
+              <a:gd name="connsiteX70" fmla="*/ 0 w 11627999"/>
+              <a:gd name="connsiteY70" fmla="*/ 6434282 h 26063999"/>
+              <a:gd name="connsiteX71" fmla="*/ 0 w 11627999"/>
+              <a:gd name="connsiteY71" fmla="*/ 434073 h 26063999"/>
+              <a:gd name="connsiteX72" fmla="*/ 434073 w 11627999"/>
+              <a:gd name="connsiteY72" fmla="*/ 0 h 26063999"/>
             </a:gdLst>
             <a:ahLst/>
             <a:cxnLst>
@@ -3513,6 +3797,144 @@
               </a:cxn>
               <a:cxn ang="0">
                 <a:pos x="connsiteX26" y="connsiteY26"/>
+              </a:cxn>
+              <a:cxn ang="0">
+                <a:pos x="connsiteX27" y="connsiteY27"/>
+              </a:cxn>
+              <a:cxn ang="0">
+                <a:pos x="connsiteX28" y="connsiteY28"/>
+              </a:cxn>
+              <a:cxn ang="0">
+                <a:pos x="connsiteX29" y="connsiteY29"/>
+              </a:cxn>
+              <a:cxn ang="0">
+                <a:pos x="connsiteX30" y="connsiteY30"/>
+              </a:cxn>
+              <a:cxn ang="0">
+                <a:pos x="connsiteX31" y="connsiteY31"/>
+              </a:cxn>
+              <a:cxn ang="0">
+                <a:pos x="connsiteX32" y="connsiteY32"/>
+              </a:cxn>
+              <a:cxn ang="0">
+                <a:pos x="connsiteX33" y="connsiteY33"/>
+              </a:cxn>
+              <a:cxn ang="0">
+                <a:pos x="connsiteX34" y="connsiteY34"/>
+              </a:cxn>
+              <a:cxn ang="0">
+                <a:pos x="connsiteX35" y="connsiteY35"/>
+              </a:cxn>
+              <a:cxn ang="0">
+                <a:pos x="connsiteX36" y="connsiteY36"/>
+              </a:cxn>
+              <a:cxn ang="0">
+                <a:pos x="connsiteX37" y="connsiteY37"/>
+              </a:cxn>
+              <a:cxn ang="0">
+                <a:pos x="connsiteX38" y="connsiteY38"/>
+              </a:cxn>
+              <a:cxn ang="0">
+                <a:pos x="connsiteX39" y="connsiteY39"/>
+              </a:cxn>
+              <a:cxn ang="0">
+                <a:pos x="connsiteX40" y="connsiteY40"/>
+              </a:cxn>
+              <a:cxn ang="0">
+                <a:pos x="connsiteX41" y="connsiteY41"/>
+              </a:cxn>
+              <a:cxn ang="0">
+                <a:pos x="connsiteX42" y="connsiteY42"/>
+              </a:cxn>
+              <a:cxn ang="0">
+                <a:pos x="connsiteX43" y="connsiteY43"/>
+              </a:cxn>
+              <a:cxn ang="0">
+                <a:pos x="connsiteX44" y="connsiteY44"/>
+              </a:cxn>
+              <a:cxn ang="0">
+                <a:pos x="connsiteX45" y="connsiteY45"/>
+              </a:cxn>
+              <a:cxn ang="0">
+                <a:pos x="connsiteX46" y="connsiteY46"/>
+              </a:cxn>
+              <a:cxn ang="0">
+                <a:pos x="connsiteX47" y="connsiteY47"/>
+              </a:cxn>
+              <a:cxn ang="0">
+                <a:pos x="connsiteX48" y="connsiteY48"/>
+              </a:cxn>
+              <a:cxn ang="0">
+                <a:pos x="connsiteX49" y="connsiteY49"/>
+              </a:cxn>
+              <a:cxn ang="0">
+                <a:pos x="connsiteX50" y="connsiteY50"/>
+              </a:cxn>
+              <a:cxn ang="0">
+                <a:pos x="connsiteX51" y="connsiteY51"/>
+              </a:cxn>
+              <a:cxn ang="0">
+                <a:pos x="connsiteX52" y="connsiteY52"/>
+              </a:cxn>
+              <a:cxn ang="0">
+                <a:pos x="connsiteX53" y="connsiteY53"/>
+              </a:cxn>
+              <a:cxn ang="0">
+                <a:pos x="connsiteX54" y="connsiteY54"/>
+              </a:cxn>
+              <a:cxn ang="0">
+                <a:pos x="connsiteX55" y="connsiteY55"/>
+              </a:cxn>
+              <a:cxn ang="0">
+                <a:pos x="connsiteX56" y="connsiteY56"/>
+              </a:cxn>
+              <a:cxn ang="0">
+                <a:pos x="connsiteX57" y="connsiteY57"/>
+              </a:cxn>
+              <a:cxn ang="0">
+                <a:pos x="connsiteX58" y="connsiteY58"/>
+              </a:cxn>
+              <a:cxn ang="0">
+                <a:pos x="connsiteX59" y="connsiteY59"/>
+              </a:cxn>
+              <a:cxn ang="0">
+                <a:pos x="connsiteX60" y="connsiteY60"/>
+              </a:cxn>
+              <a:cxn ang="0">
+                <a:pos x="connsiteX61" y="connsiteY61"/>
+              </a:cxn>
+              <a:cxn ang="0">
+                <a:pos x="connsiteX62" y="connsiteY62"/>
+              </a:cxn>
+              <a:cxn ang="0">
+                <a:pos x="connsiteX63" y="connsiteY63"/>
+              </a:cxn>
+              <a:cxn ang="0">
+                <a:pos x="connsiteX64" y="connsiteY64"/>
+              </a:cxn>
+              <a:cxn ang="0">
+                <a:pos x="connsiteX65" y="connsiteY65"/>
+              </a:cxn>
+              <a:cxn ang="0">
+                <a:pos x="connsiteX66" y="connsiteY66"/>
+              </a:cxn>
+              <a:cxn ang="0">
+                <a:pos x="connsiteX67" y="connsiteY67"/>
+              </a:cxn>
+              <a:cxn ang="0">
+                <a:pos x="connsiteX68" y="connsiteY68"/>
+              </a:cxn>
+              <a:cxn ang="0">
+                <a:pos x="connsiteX69" y="connsiteY69"/>
+              </a:cxn>
+              <a:cxn ang="0">
+                <a:pos x="connsiteX70" y="connsiteY70"/>
+              </a:cxn>
+              <a:cxn ang="0">
+                <a:pos x="connsiteX71" y="connsiteY71"/>
+              </a:cxn>
+              <a:cxn ang="0">
+                <a:pos x="connsiteX72" y="connsiteY72"/>
               </a:cxn>
             </a:cxnLst>
             <a:rect l="l" t="t" r="r" b="b"/>
@@ -3529,6 +3951,224 @@
                   <a:pt x="11627999" y="194341"/>
                   <a:pt x="11627999" y="434073"/>
                 </a:cubicBezTo>
+                <a:lnTo>
+                  <a:pt x="11627999" y="12682345"/>
+                </a:lnTo>
+                <a:lnTo>
+                  <a:pt x="11437874" y="12667786"/>
+                </a:lnTo>
+                <a:cubicBezTo>
+                  <a:pt x="11365680" y="12662059"/>
+                  <a:pt x="11295830" y="12655754"/>
+                  <a:pt x="11235354" y="12647749"/>
+                </a:cubicBezTo>
+                <a:cubicBezTo>
+                  <a:pt x="10993449" y="12615731"/>
+                  <a:pt x="10812021" y="12534084"/>
+                  <a:pt x="10509640" y="12542089"/>
+                </a:cubicBezTo>
+                <a:cubicBezTo>
+                  <a:pt x="10207259" y="12550093"/>
+                  <a:pt x="9730707" y="12703781"/>
+                  <a:pt x="9421069" y="12695777"/>
+                </a:cubicBezTo>
+                <a:cubicBezTo>
+                  <a:pt x="9111431" y="12687772"/>
+                  <a:pt x="8956611" y="12494062"/>
+                  <a:pt x="8651811" y="12494062"/>
+                </a:cubicBezTo>
+                <a:cubicBezTo>
+                  <a:pt x="8347011" y="12494062"/>
+                  <a:pt x="7945450" y="12670163"/>
+                  <a:pt x="7592269" y="12695777"/>
+                </a:cubicBezTo>
+                <a:cubicBezTo>
+                  <a:pt x="7239088" y="12721392"/>
+                  <a:pt x="6864136" y="12623736"/>
+                  <a:pt x="6532726" y="12647749"/>
+                </a:cubicBezTo>
+                <a:cubicBezTo>
+                  <a:pt x="6201316" y="12671763"/>
+                  <a:pt x="5983603" y="12825454"/>
+                  <a:pt x="5603811" y="12839860"/>
+                </a:cubicBezTo>
+                <a:cubicBezTo>
+                  <a:pt x="5224021" y="12854269"/>
+                  <a:pt x="4449927" y="12721392"/>
+                  <a:pt x="4253983" y="12734199"/>
+                </a:cubicBezTo>
+                <a:cubicBezTo>
+                  <a:pt x="4058040" y="12747006"/>
+                  <a:pt x="4256402" y="12867075"/>
+                  <a:pt x="4428155" y="12916704"/>
+                </a:cubicBezTo>
+                <a:cubicBezTo>
+                  <a:pt x="4599907" y="12966332"/>
+                  <a:pt x="4994212" y="13033570"/>
+                  <a:pt x="5255470" y="13031969"/>
+                </a:cubicBezTo>
+                <a:cubicBezTo>
+                  <a:pt x="5516726" y="13030370"/>
+                  <a:pt x="5777983" y="12943920"/>
+                  <a:pt x="5995697" y="12907098"/>
+                </a:cubicBezTo>
+                <a:cubicBezTo>
+                  <a:pt x="5995697" y="12907098"/>
+                  <a:pt x="6390002" y="12825451"/>
+                  <a:pt x="6561754" y="12811044"/>
+                </a:cubicBezTo>
+                <a:cubicBezTo>
+                  <a:pt x="6733506" y="12796635"/>
+                  <a:pt x="6868973" y="12807841"/>
+                  <a:pt x="7026211" y="12820648"/>
+                </a:cubicBezTo>
+                <a:cubicBezTo>
+                  <a:pt x="7183449" y="12833455"/>
+                  <a:pt x="7318916" y="12894290"/>
+                  <a:pt x="7505183" y="12887887"/>
+                </a:cubicBezTo>
+                <a:cubicBezTo>
+                  <a:pt x="7691450" y="12881485"/>
+                  <a:pt x="7945449" y="12815846"/>
+                  <a:pt x="8143811" y="12782226"/>
+                </a:cubicBezTo>
+                <a:cubicBezTo>
+                  <a:pt x="8143811" y="12782226"/>
+                  <a:pt x="8492154" y="12666961"/>
+                  <a:pt x="8695354" y="12686172"/>
+                </a:cubicBezTo>
+                <a:cubicBezTo>
+                  <a:pt x="8898554" y="12705383"/>
+                  <a:pt x="9157392" y="12871877"/>
+                  <a:pt x="9363011" y="12897493"/>
+                </a:cubicBezTo>
+                <a:cubicBezTo>
+                  <a:pt x="9568630" y="12923107"/>
+                  <a:pt x="9716193" y="12849467"/>
+                  <a:pt x="9929069" y="12839860"/>
+                </a:cubicBezTo>
+                <a:cubicBezTo>
+                  <a:pt x="10141945" y="12830256"/>
+                  <a:pt x="10330631" y="12822251"/>
+                  <a:pt x="10640269" y="12839860"/>
+                </a:cubicBezTo>
+                <a:cubicBezTo>
+                  <a:pt x="10872497" y="12853067"/>
+                  <a:pt x="11277537" y="12915803"/>
+                  <a:pt x="11558411" y="12938918"/>
+                </a:cubicBezTo>
+                <a:lnTo>
+                  <a:pt x="11627999" y="12943156"/>
+                </a:lnTo>
+                <a:lnTo>
+                  <a:pt x="11627999" y="19198345"/>
+                </a:lnTo>
+                <a:lnTo>
+                  <a:pt x="11437874" y="19183785"/>
+                </a:lnTo>
+                <a:cubicBezTo>
+                  <a:pt x="11365680" y="19178057"/>
+                  <a:pt x="11295830" y="19171753"/>
+                  <a:pt x="11235354" y="19163749"/>
+                </a:cubicBezTo>
+                <a:cubicBezTo>
+                  <a:pt x="10993449" y="19131731"/>
+                  <a:pt x="10812021" y="19050085"/>
+                  <a:pt x="10509640" y="19058089"/>
+                </a:cubicBezTo>
+                <a:cubicBezTo>
+                  <a:pt x="10207259" y="19066093"/>
+                  <a:pt x="9730707" y="19219781"/>
+                  <a:pt x="9421069" y="19211777"/>
+                </a:cubicBezTo>
+                <a:cubicBezTo>
+                  <a:pt x="9111431" y="19203773"/>
+                  <a:pt x="8956611" y="19010061"/>
+                  <a:pt x="8651811" y="19010061"/>
+                </a:cubicBezTo>
+                <a:cubicBezTo>
+                  <a:pt x="8347011" y="19010061"/>
+                  <a:pt x="7945450" y="19186161"/>
+                  <a:pt x="7592269" y="19211777"/>
+                </a:cubicBezTo>
+                <a:cubicBezTo>
+                  <a:pt x="7239088" y="19237391"/>
+                  <a:pt x="6864136" y="19139735"/>
+                  <a:pt x="6532726" y="19163749"/>
+                </a:cubicBezTo>
+                <a:cubicBezTo>
+                  <a:pt x="6201316" y="19187763"/>
+                  <a:pt x="5983602" y="19341451"/>
+                  <a:pt x="5603811" y="19355859"/>
+                </a:cubicBezTo>
+                <a:cubicBezTo>
+                  <a:pt x="5224021" y="19370267"/>
+                  <a:pt x="4449926" y="19237391"/>
+                  <a:pt x="4253983" y="19250199"/>
+                </a:cubicBezTo>
+                <a:cubicBezTo>
+                  <a:pt x="4058040" y="19263005"/>
+                  <a:pt x="4256402" y="19383075"/>
+                  <a:pt x="4428155" y="19432703"/>
+                </a:cubicBezTo>
+                <a:cubicBezTo>
+                  <a:pt x="4599906" y="19482331"/>
+                  <a:pt x="4994212" y="19549571"/>
+                  <a:pt x="5255470" y="19547969"/>
+                </a:cubicBezTo>
+                <a:cubicBezTo>
+                  <a:pt x="5516726" y="19546369"/>
+                  <a:pt x="5777983" y="19459919"/>
+                  <a:pt x="5995697" y="19423099"/>
+                </a:cubicBezTo>
+                <a:cubicBezTo>
+                  <a:pt x="5995697" y="19423099"/>
+                  <a:pt x="6390002" y="19341451"/>
+                  <a:pt x="6561754" y="19327043"/>
+                </a:cubicBezTo>
+                <a:cubicBezTo>
+                  <a:pt x="6733506" y="19312635"/>
+                  <a:pt x="6868973" y="19323841"/>
+                  <a:pt x="7026211" y="19336649"/>
+                </a:cubicBezTo>
+                <a:cubicBezTo>
+                  <a:pt x="7183449" y="19349455"/>
+                  <a:pt x="7318916" y="19410291"/>
+                  <a:pt x="7505183" y="19403887"/>
+                </a:cubicBezTo>
+                <a:cubicBezTo>
+                  <a:pt x="7691450" y="19397483"/>
+                  <a:pt x="7945449" y="19331845"/>
+                  <a:pt x="8143811" y="19298227"/>
+                </a:cubicBezTo>
+                <a:cubicBezTo>
+                  <a:pt x="8143811" y="19298227"/>
+                  <a:pt x="8492154" y="19182961"/>
+                  <a:pt x="8695354" y="19202171"/>
+                </a:cubicBezTo>
+                <a:cubicBezTo>
+                  <a:pt x="8898554" y="19221381"/>
+                  <a:pt x="9157392" y="19387877"/>
+                  <a:pt x="9363011" y="19413493"/>
+                </a:cubicBezTo>
+                <a:cubicBezTo>
+                  <a:pt x="9568630" y="19439107"/>
+                  <a:pt x="9716193" y="19365465"/>
+                  <a:pt x="9929069" y="19355859"/>
+                </a:cubicBezTo>
+                <a:cubicBezTo>
+                  <a:pt x="10141945" y="19346255"/>
+                  <a:pt x="10330631" y="19338249"/>
+                  <a:pt x="10640269" y="19355859"/>
+                </a:cubicBezTo>
+                <a:cubicBezTo>
+                  <a:pt x="10872498" y="19369067"/>
+                  <a:pt x="11277537" y="19431803"/>
+                  <a:pt x="11558411" y="19454917"/>
+                </a:cubicBezTo>
+                <a:lnTo>
+                  <a:pt x="11627999" y="19459157"/>
+                </a:lnTo>
                 <a:lnTo>
                   <a:pt x="11627999" y="25629927"/>
                 </a:lnTo>
@@ -3575,37 +4215,37 @@
                 </a:lnTo>
                 <a:cubicBezTo>
                   <a:pt x="4138417" y="19172531"/>
-                  <a:pt x="4291486" y="19019463"/>
-                  <a:pt x="4291486" y="18830639"/>
+                  <a:pt x="4291487" y="19019463"/>
+                  <a:pt x="4291487" y="18830639"/>
                 </a:cubicBezTo>
                 <a:lnTo>
-                  <a:pt x="4291486" y="13322424"/>
+                  <a:pt x="4291487" y="13322423"/>
                 </a:lnTo>
                 <a:cubicBezTo>
-                  <a:pt x="4291486" y="13133602"/>
-                  <a:pt x="4138417" y="12980533"/>
-                  <a:pt x="3949595" y="12980533"/>
+                  <a:pt x="4291487" y="13133601"/>
+                  <a:pt x="4138417" y="12980532"/>
+                  <a:pt x="3949595" y="12980532"/>
                 </a:cubicBezTo>
                 <a:lnTo>
-                  <a:pt x="0" y="12980533"/>
+                  <a:pt x="0" y="12980532"/>
                 </a:lnTo>
                 <a:lnTo>
-                  <a:pt x="0" y="12626280"/>
+                  <a:pt x="0" y="12626279"/>
                 </a:lnTo>
                 <a:lnTo>
-                  <a:pt x="3924731" y="12626280"/>
+                  <a:pt x="3924731" y="12626279"/>
                 </a:lnTo>
                 <a:cubicBezTo>
-                  <a:pt x="4113553" y="12626280"/>
-                  <a:pt x="4266623" y="12473211"/>
-                  <a:pt x="4266623" y="12284388"/>
+                  <a:pt x="4113554" y="12626279"/>
+                  <a:pt x="4266623" y="12473212"/>
+                  <a:pt x="4266623" y="12284387"/>
                 </a:cubicBezTo>
                 <a:lnTo>
                   <a:pt x="4266623" y="6776174"/>
                 </a:lnTo>
                 <a:cubicBezTo>
                   <a:pt x="4266623" y="6587351"/>
-                  <a:pt x="4113553" y="6434282"/>
+                  <a:pt x="4113554" y="6434282"/>
                   <a:pt x="3924731" y="6434282"/>
                 </a:cubicBezTo>
                 <a:lnTo>
@@ -4641,6 +5281,402 @@
           </a:p>
         </p:txBody>
       </p:sp>
+      <p:pic>
+        <p:nvPicPr>
+          <p:cNvPr id="33" name="Graphic 32" descr="Octopus with solid fill">
+            <a:extLst>
+              <a:ext uri="{FF2B5EF4-FFF2-40B4-BE49-F238E27FC236}">
+                <a16:creationId xmlns:a16="http://schemas.microsoft.com/office/drawing/2014/main" id="{B51187AF-6DE6-E880-1AFF-C9F697E2062A}"/>
+              </a:ext>
+            </a:extLst>
+          </p:cNvPr>
+          <p:cNvPicPr>
+            <a:picLocks noChangeAspect="1"/>
+          </p:cNvPicPr>
+          <p:nvPr/>
+        </p:nvPicPr>
+        <p:blipFill>
+          <a:blip r:embed="rId4">
+            <a:extLst>
+              <a:ext uri="{96DAC541-7B7A-43D3-8B79-37D633B846F1}">
+                <asvg:svgBlip xmlns:asvg="http://schemas.microsoft.com/office/drawing/2016/SVG/main" r:embed="rId5"/>
+              </a:ext>
+            </a:extLst>
+          </a:blip>
+          <a:stretch>
+            <a:fillRect/>
+          </a:stretch>
+        </p:blipFill>
+        <p:spPr>
+          <a:xfrm>
+            <a:off x="8716587" y="3140317"/>
+            <a:ext cx="1368000" cy="1368000"/>
+          </a:xfrm>
+          <a:prstGeom prst="rect">
+            <a:avLst/>
+          </a:prstGeom>
+        </p:spPr>
+      </p:pic>
+      <p:pic>
+        <p:nvPicPr>
+          <p:cNvPr id="35" name="Graphic 34" descr="Seaweed with solid fill">
+            <a:extLst>
+              <a:ext uri="{FF2B5EF4-FFF2-40B4-BE49-F238E27FC236}">
+                <a16:creationId xmlns:a16="http://schemas.microsoft.com/office/drawing/2014/main" id="{F5B4B8A0-4319-68FD-B772-F28BA0B1745F}"/>
+              </a:ext>
+            </a:extLst>
+          </p:cNvPr>
+          <p:cNvPicPr>
+            <a:picLocks noChangeAspect="1"/>
+          </p:cNvPicPr>
+          <p:nvPr/>
+        </p:nvPicPr>
+        <p:blipFill>
+          <a:blip r:embed="rId6">
+            <a:extLst>
+              <a:ext uri="{96DAC541-7B7A-43D3-8B79-37D633B846F1}">
+                <asvg:svgBlip xmlns:asvg="http://schemas.microsoft.com/office/drawing/2016/SVG/main" r:embed="rId7"/>
+              </a:ext>
+            </a:extLst>
+          </a:blip>
+          <a:stretch>
+            <a:fillRect/>
+          </a:stretch>
+        </p:blipFill>
+        <p:spPr>
+          <a:xfrm>
+            <a:off x="1652335" y="24641994"/>
+            <a:ext cx="1577421" cy="1577421"/>
+          </a:xfrm>
+          <a:prstGeom prst="rect">
+            <a:avLst/>
+          </a:prstGeom>
+        </p:spPr>
+      </p:pic>
+      <p:pic>
+        <p:nvPicPr>
+          <p:cNvPr id="38" name="Graphic 37" descr="Seaweed with solid fill">
+            <a:extLst>
+              <a:ext uri="{FF2B5EF4-FFF2-40B4-BE49-F238E27FC236}">
+                <a16:creationId xmlns:a16="http://schemas.microsoft.com/office/drawing/2014/main" id="{1B36833D-EF29-F4CA-5316-8BCA66C361D6}"/>
+              </a:ext>
+            </a:extLst>
+          </p:cNvPr>
+          <p:cNvPicPr>
+            <a:picLocks noChangeAspect="1"/>
+          </p:cNvPicPr>
+          <p:nvPr/>
+        </p:nvPicPr>
+        <p:blipFill>
+          <a:blip r:embed="rId8">
+            <a:extLst>
+              <a:ext uri="{96DAC541-7B7A-43D3-8B79-37D633B846F1}">
+                <asvg:svgBlip xmlns:asvg="http://schemas.microsoft.com/office/drawing/2016/SVG/main" r:embed="rId9"/>
+              </a:ext>
+            </a:extLst>
+          </a:blip>
+          <a:stretch>
+            <a:fillRect/>
+          </a:stretch>
+        </p:blipFill>
+        <p:spPr>
+          <a:xfrm>
+            <a:off x="2966919" y="24871046"/>
+            <a:ext cx="1368000" cy="1368000"/>
+          </a:xfrm>
+          <a:prstGeom prst="rect">
+            <a:avLst/>
+          </a:prstGeom>
+        </p:spPr>
+      </p:pic>
+      <p:pic>
+        <p:nvPicPr>
+          <p:cNvPr id="40" name="Graphic 39" descr="Seahorse with solid fill">
+            <a:extLst>
+              <a:ext uri="{FF2B5EF4-FFF2-40B4-BE49-F238E27FC236}">
+                <a16:creationId xmlns:a16="http://schemas.microsoft.com/office/drawing/2014/main" id="{B06C2946-5AAA-B9D2-EE84-F2865E66DA27}"/>
+              </a:ext>
+            </a:extLst>
+          </p:cNvPr>
+          <p:cNvPicPr>
+            <a:picLocks noChangeAspect="1"/>
+          </p:cNvPicPr>
+          <p:nvPr/>
+        </p:nvPicPr>
+        <p:blipFill>
+          <a:blip r:embed="rId10">
+            <a:extLst>
+              <a:ext uri="{96DAC541-7B7A-43D3-8B79-37D633B846F1}">
+                <asvg:svgBlip xmlns:asvg="http://schemas.microsoft.com/office/drawing/2016/SVG/main" r:embed="rId11"/>
+              </a:ext>
+            </a:extLst>
+          </a:blip>
+          <a:stretch>
+            <a:fillRect/>
+          </a:stretch>
+        </p:blipFill>
+        <p:spPr>
+          <a:xfrm>
+            <a:off x="272123" y="7215586"/>
+            <a:ext cx="935117" cy="935117"/>
+          </a:xfrm>
+          <a:prstGeom prst="rect">
+            <a:avLst/>
+          </a:prstGeom>
+        </p:spPr>
+      </p:pic>
+      <p:pic>
+        <p:nvPicPr>
+          <p:cNvPr id="44" name="Graphic 43" descr="Palm tree with solid fill">
+            <a:extLst>
+              <a:ext uri="{FF2B5EF4-FFF2-40B4-BE49-F238E27FC236}">
+                <a16:creationId xmlns:a16="http://schemas.microsoft.com/office/drawing/2014/main" id="{79F19F26-1BC7-EDD8-8D8F-33FBD94719B0}"/>
+              </a:ext>
+            </a:extLst>
+          </p:cNvPr>
+          <p:cNvPicPr>
+            <a:picLocks noChangeAspect="1"/>
+          </p:cNvPicPr>
+          <p:nvPr/>
+        </p:nvPicPr>
+        <p:blipFill>
+          <a:blip r:embed="rId12">
+            <a:extLst>
+              <a:ext uri="{96DAC541-7B7A-43D3-8B79-37D633B846F1}">
+                <asvg:svgBlip xmlns:asvg="http://schemas.microsoft.com/office/drawing/2016/SVG/main" r:embed="rId13"/>
+              </a:ext>
+            </a:extLst>
+          </a:blip>
+          <a:stretch>
+            <a:fillRect/>
+          </a:stretch>
+        </p:blipFill>
+        <p:spPr>
+          <a:xfrm>
+            <a:off x="2157466" y="3037056"/>
+            <a:ext cx="1368000" cy="1368000"/>
+          </a:xfrm>
+          <a:prstGeom prst="rect">
+            <a:avLst/>
+          </a:prstGeom>
+        </p:spPr>
+      </p:pic>
+      <p:pic>
+        <p:nvPicPr>
+          <p:cNvPr id="46" name="Graphic 45" descr="Clownfish with solid fill">
+            <a:extLst>
+              <a:ext uri="{FF2B5EF4-FFF2-40B4-BE49-F238E27FC236}">
+                <a16:creationId xmlns:a16="http://schemas.microsoft.com/office/drawing/2014/main" id="{01625BBE-8321-5FFE-E0D9-AD14BDA1E36C}"/>
+              </a:ext>
+            </a:extLst>
+          </p:cNvPr>
+          <p:cNvPicPr>
+            <a:picLocks noChangeAspect="1"/>
+          </p:cNvPicPr>
+          <p:nvPr/>
+        </p:nvPicPr>
+        <p:blipFill>
+          <a:blip r:embed="rId14">
+            <a:extLst>
+              <a:ext uri="{96DAC541-7B7A-43D3-8B79-37D633B846F1}">
+                <asvg:svgBlip xmlns:asvg="http://schemas.microsoft.com/office/drawing/2016/SVG/main" r:embed="rId15"/>
+              </a:ext>
+            </a:extLst>
+          </a:blip>
+          <a:stretch>
+            <a:fillRect/>
+          </a:stretch>
+        </p:blipFill>
+        <p:spPr>
+          <a:xfrm>
+            <a:off x="90199" y="19891780"/>
+            <a:ext cx="1284819" cy="1284819"/>
+          </a:xfrm>
+          <a:prstGeom prst="rect">
+            <a:avLst/>
+          </a:prstGeom>
+        </p:spPr>
+      </p:pic>
+      <p:pic>
+        <p:nvPicPr>
+          <p:cNvPr id="47" name="Graphic 46" descr="Seaweed with solid fill">
+            <a:extLst>
+              <a:ext uri="{FF2B5EF4-FFF2-40B4-BE49-F238E27FC236}">
+                <a16:creationId xmlns:a16="http://schemas.microsoft.com/office/drawing/2014/main" id="{68D389A8-F9CC-3C2D-2356-0C72754CA0D9}"/>
+              </a:ext>
+            </a:extLst>
+          </p:cNvPr>
+          <p:cNvPicPr>
+            <a:picLocks noChangeAspect="1"/>
+          </p:cNvPicPr>
+          <p:nvPr/>
+        </p:nvPicPr>
+        <p:blipFill>
+          <a:blip r:embed="rId8">
+            <a:extLst>
+              <a:ext uri="{96DAC541-7B7A-43D3-8B79-37D633B846F1}">
+                <asvg:svgBlip xmlns:asvg="http://schemas.microsoft.com/office/drawing/2016/SVG/main" r:embed="rId9"/>
+              </a:ext>
+            </a:extLst>
+          </a:blip>
+          <a:stretch>
+            <a:fillRect/>
+          </a:stretch>
+        </p:blipFill>
+        <p:spPr>
+          <a:xfrm flipH="1">
+            <a:off x="185132" y="24310114"/>
+            <a:ext cx="1896533" cy="1896533"/>
+          </a:xfrm>
+          <a:prstGeom prst="rect">
+            <a:avLst/>
+          </a:prstGeom>
+        </p:spPr>
+      </p:pic>
+      <p:pic>
+        <p:nvPicPr>
+          <p:cNvPr id="49" name="Graphic 48" descr="Fish with solid fill">
+            <a:extLst>
+              <a:ext uri="{FF2B5EF4-FFF2-40B4-BE49-F238E27FC236}">
+                <a16:creationId xmlns:a16="http://schemas.microsoft.com/office/drawing/2014/main" id="{47E39EEA-1332-11F1-DB15-CF65E7E43B2C}"/>
+              </a:ext>
+            </a:extLst>
+          </p:cNvPr>
+          <p:cNvPicPr>
+            <a:picLocks noChangeAspect="1"/>
+          </p:cNvPicPr>
+          <p:nvPr/>
+        </p:nvPicPr>
+        <p:blipFill>
+          <a:blip r:embed="rId16">
+            <a:extLst>
+              <a:ext uri="{96DAC541-7B7A-43D3-8B79-37D633B846F1}">
+                <asvg:svgBlip xmlns:asvg="http://schemas.microsoft.com/office/drawing/2016/SVG/main" r:embed="rId17"/>
+              </a:ext>
+            </a:extLst>
+          </a:blip>
+          <a:stretch>
+            <a:fillRect/>
+          </a:stretch>
+        </p:blipFill>
+        <p:spPr>
+          <a:xfrm flipH="1">
+            <a:off x="90198" y="18449274"/>
+            <a:ext cx="1284819" cy="1284819"/>
+          </a:xfrm>
+          <a:prstGeom prst="rect">
+            <a:avLst/>
+          </a:prstGeom>
+        </p:spPr>
+      </p:pic>
+      <p:pic>
+        <p:nvPicPr>
+          <p:cNvPr id="51" name="Graphic 50" descr="Koi with solid fill">
+            <a:extLst>
+              <a:ext uri="{FF2B5EF4-FFF2-40B4-BE49-F238E27FC236}">
+                <a16:creationId xmlns:a16="http://schemas.microsoft.com/office/drawing/2014/main" id="{94DCDC9E-1486-FB6F-87C2-5ECAC5581074}"/>
+              </a:ext>
+            </a:extLst>
+          </p:cNvPr>
+          <p:cNvPicPr>
+            <a:picLocks noChangeAspect="1"/>
+          </p:cNvPicPr>
+          <p:nvPr/>
+        </p:nvPicPr>
+        <p:blipFill>
+          <a:blip r:embed="rId18">
+            <a:extLst>
+              <a:ext uri="{96DAC541-7B7A-43D3-8B79-37D633B846F1}">
+                <asvg:svgBlip xmlns:asvg="http://schemas.microsoft.com/office/drawing/2016/SVG/main" r:embed="rId19"/>
+              </a:ext>
+            </a:extLst>
+          </a:blip>
+          <a:stretch>
+            <a:fillRect/>
+          </a:stretch>
+        </p:blipFill>
+        <p:spPr>
+          <a:xfrm>
+            <a:off x="2436000" y="11175711"/>
+            <a:ext cx="1896533" cy="1896533"/>
+          </a:xfrm>
+          <a:prstGeom prst="rect">
+            <a:avLst/>
+          </a:prstGeom>
+        </p:spPr>
+      </p:pic>
+      <p:pic>
+        <p:nvPicPr>
+          <p:cNvPr id="52" name="Graphic 51" descr="Fish with solid fill">
+            <a:extLst>
+              <a:ext uri="{FF2B5EF4-FFF2-40B4-BE49-F238E27FC236}">
+                <a16:creationId xmlns:a16="http://schemas.microsoft.com/office/drawing/2014/main" id="{A0D9ADD4-9861-4EA8-3827-2DF5E8262676}"/>
+              </a:ext>
+            </a:extLst>
+          </p:cNvPr>
+          <p:cNvPicPr>
+            <a:picLocks noChangeAspect="1"/>
+          </p:cNvPicPr>
+          <p:nvPr/>
+        </p:nvPicPr>
+        <p:blipFill>
+          <a:blip r:embed="rId20">
+            <a:extLst>
+              <a:ext uri="{96DAC541-7B7A-43D3-8B79-37D633B846F1}">
+                <asvg:svgBlip xmlns:asvg="http://schemas.microsoft.com/office/drawing/2016/SVG/main" r:embed="rId21"/>
+              </a:ext>
+            </a:extLst>
+          </a:blip>
+          <a:stretch>
+            <a:fillRect/>
+          </a:stretch>
+        </p:blipFill>
+        <p:spPr>
+          <a:xfrm>
+            <a:off x="3080965" y="18595145"/>
+            <a:ext cx="1368000" cy="1368000"/>
+          </a:xfrm>
+          <a:prstGeom prst="rect">
+            <a:avLst/>
+          </a:prstGeom>
+        </p:spPr>
+      </p:pic>
+      <p:pic>
+        <p:nvPicPr>
+          <p:cNvPr id="53" name="Graphic 52" descr="Fish with solid fill">
+            <a:extLst>
+              <a:ext uri="{FF2B5EF4-FFF2-40B4-BE49-F238E27FC236}">
+                <a16:creationId xmlns:a16="http://schemas.microsoft.com/office/drawing/2014/main" id="{20144675-EB41-591B-1DF1-8EDD18BEC521}"/>
+              </a:ext>
+            </a:extLst>
+          </p:cNvPr>
+          <p:cNvPicPr>
+            <a:picLocks noChangeAspect="1"/>
+          </p:cNvPicPr>
+          <p:nvPr/>
+        </p:nvPicPr>
+        <p:blipFill>
+          <a:blip r:embed="rId22">
+            <a:extLst>
+              <a:ext uri="{96DAC541-7B7A-43D3-8B79-37D633B846F1}">
+                <asvg:svgBlip xmlns:asvg="http://schemas.microsoft.com/office/drawing/2016/SVG/main" r:embed="rId23"/>
+              </a:ext>
+            </a:extLst>
+          </a:blip>
+          <a:stretch>
+            <a:fillRect/>
+          </a:stretch>
+        </p:blipFill>
+        <p:spPr>
+          <a:xfrm flipH="1">
+            <a:off x="1008065" y="19168667"/>
+            <a:ext cx="644270" cy="644270"/>
+          </a:xfrm>
+          <a:prstGeom prst="rect">
+            <a:avLst/>
+          </a:prstGeom>
+        </p:spPr>
+      </p:pic>
     </p:spTree>
     <p:extLst>
       <p:ext uri="{BB962C8B-B14F-4D97-AF65-F5344CB8AC3E}">
